--- a/3.项目PPT/F-项目介绍-Spark-Streaming.pptx
+++ b/3.项目PPT/F-项目介绍-Spark-Streaming.pptx
@@ -3498,15 +3498,35 @@
         <a:lstStyle/>
         <a:p>
           <a:r>
-            <a:rPr lang="zh-CN" smtClean="0"/>
-            <a:t>针对项目探究过程中发现的问题与兴趣点，进行针对性的深入研究，并针对</a:t>
+            <a:rPr lang="zh-CN" dirty="0" smtClean="0"/>
+            <a:t>针对项目探究过程中发现的问题与兴趣点，进行针对性的深入研究</a:t>
           </a:r>
           <a:r>
-            <a:rPr lang="en-US" smtClean="0"/>
+            <a:rPr lang="zh-CN" dirty="0" smtClean="0"/>
+            <a:t>，</a:t>
+          </a:r>
+          <a:r>
+            <a:rPr lang="zh-CN" dirty="0" smtClean="0"/>
+            <a:t>尝试寻找突破点进行优化</a:t>
+          </a:r>
+          <a:r>
+            <a:rPr lang="zh-CN" altLang="en-US" dirty="0" smtClean="0"/>
+            <a:t>，</a:t>
+          </a:r>
+          <a:r>
+            <a:rPr lang="zh-CN" dirty="0" smtClean="0"/>
+            <a:t>并</a:t>
+          </a:r>
+          <a:r>
+            <a:rPr lang="zh-CN" dirty="0" smtClean="0"/>
+            <a:t>针对</a:t>
+          </a:r>
+          <a:r>
+            <a:rPr lang="en-US" dirty="0" smtClean="0"/>
             <a:t>Spark Streaming</a:t>
           </a:r>
           <a:r>
-            <a:rPr lang="zh-CN" smtClean="0"/>
+            <a:rPr lang="zh-CN" dirty="0" smtClean="0"/>
             <a:t>进行上层应用的开发</a:t>
           </a:r>
           <a:endParaRPr lang="zh-CN" altLang="en-US" dirty="0"/>
@@ -4963,12 +4983,12 @@
         </a:fontRef>
       </dsp:style>
       <dsp:txBody>
-        <a:bodyPr spcFirstLastPara="0" vert="horz" wrap="square" lIns="149352" tIns="149352" rIns="149352" bIns="149352" numCol="1" spcCol="1270" anchor="ctr" anchorCtr="0">
+        <a:bodyPr spcFirstLastPara="0" vert="horz" wrap="square" lIns="135128" tIns="135128" rIns="135128" bIns="135128" numCol="1" spcCol="1270" anchor="ctr" anchorCtr="0">
           <a:noAutofit/>
         </a:bodyPr>
         <a:lstStyle/>
         <a:p>
-          <a:pPr lvl="0" algn="ctr" defTabSz="933450">
+          <a:pPr lvl="0" algn="ctr" defTabSz="844550">
             <a:lnSpc>
               <a:spcPct val="90000"/>
             </a:lnSpc>
@@ -4980,18 +5000,38 @@
             </a:spcAft>
           </a:pPr>
           <a:r>
-            <a:rPr lang="zh-CN" sz="2100" kern="1200" smtClean="0"/>
-            <a:t>针对项目探究过程中发现的问题与兴趣点，进行针对性的深入研究，并针对</a:t>
+            <a:rPr lang="zh-CN" sz="1900" kern="1200" dirty="0" smtClean="0"/>
+            <a:t>针对项目探究过程中发现的问题与兴趣点，进行针对性的深入研究</a:t>
           </a:r>
           <a:r>
-            <a:rPr lang="en-US" sz="2100" kern="1200" smtClean="0"/>
+            <a:rPr lang="zh-CN" sz="1900" kern="1200" dirty="0" smtClean="0"/>
+            <a:t>，</a:t>
+          </a:r>
+          <a:r>
+            <a:rPr lang="zh-CN" sz="1900" kern="1200" dirty="0" smtClean="0"/>
+            <a:t>尝试寻找突破点进行优化</a:t>
+          </a:r>
+          <a:r>
+            <a:rPr lang="zh-CN" altLang="en-US" sz="1900" kern="1200" dirty="0" smtClean="0"/>
+            <a:t>，</a:t>
+          </a:r>
+          <a:r>
+            <a:rPr lang="zh-CN" sz="1900" kern="1200" dirty="0" smtClean="0"/>
+            <a:t>并</a:t>
+          </a:r>
+          <a:r>
+            <a:rPr lang="zh-CN" sz="1900" kern="1200" dirty="0" smtClean="0"/>
+            <a:t>针对</a:t>
+          </a:r>
+          <a:r>
+            <a:rPr lang="en-US" sz="1900" kern="1200" dirty="0" smtClean="0"/>
             <a:t>Spark Streaming</a:t>
           </a:r>
           <a:r>
-            <a:rPr lang="zh-CN" sz="2100" kern="1200" smtClean="0"/>
+            <a:rPr lang="zh-CN" sz="1900" kern="1200" dirty="0" smtClean="0"/>
             <a:t>进行上层应用的开发</a:t>
           </a:r>
-          <a:endParaRPr lang="zh-CN" altLang="en-US" sz="2100" kern="1200" dirty="0"/>
+          <a:endParaRPr lang="zh-CN" altLang="en-US" sz="1900" kern="1200" dirty="0"/>
         </a:p>
       </dsp:txBody>
       <dsp:txXfrm>
@@ -5065,12 +5105,12 @@
         </a:fontRef>
       </dsp:style>
       <dsp:txBody>
-        <a:bodyPr spcFirstLastPara="0" vert="horz" wrap="square" lIns="149352" tIns="149352" rIns="149352" bIns="149352" numCol="1" spcCol="1270" anchor="ctr" anchorCtr="0">
+        <a:bodyPr spcFirstLastPara="0" vert="horz" wrap="square" lIns="135128" tIns="135128" rIns="135128" bIns="135128" numCol="1" spcCol="1270" anchor="ctr" anchorCtr="0">
           <a:noAutofit/>
         </a:bodyPr>
         <a:lstStyle/>
         <a:p>
-          <a:pPr lvl="0" algn="ctr" defTabSz="933450">
+          <a:pPr lvl="0" algn="ctr" defTabSz="844550">
             <a:lnSpc>
               <a:spcPct val="90000"/>
             </a:lnSpc>
@@ -5082,10 +5122,10 @@
             </a:spcAft>
           </a:pPr>
           <a:r>
-            <a:rPr lang="zh-CN" sz="2100" kern="1200" smtClean="0"/>
+            <a:rPr lang="zh-CN" sz="1900" kern="1200" smtClean="0"/>
             <a:t>了解其不同的数据处理方式的使用方法和应用场景，分析其功能与实际需求的对应关系</a:t>
           </a:r>
-          <a:endParaRPr lang="zh-CN" altLang="en-US" sz="2100" kern="1200" dirty="0"/>
+          <a:endParaRPr lang="zh-CN" altLang="en-US" sz="1900" kern="1200" dirty="0"/>
         </a:p>
       </dsp:txBody>
       <dsp:txXfrm rot="10800000">
@@ -5159,12 +5199,12 @@
         </a:fontRef>
       </dsp:style>
       <dsp:txBody>
-        <a:bodyPr spcFirstLastPara="0" vert="horz" wrap="square" lIns="149352" tIns="149352" rIns="149352" bIns="149352" numCol="1" spcCol="1270" anchor="ctr" anchorCtr="0">
+        <a:bodyPr spcFirstLastPara="0" vert="horz" wrap="square" lIns="135128" tIns="135128" rIns="135128" bIns="135128" numCol="1" spcCol="1270" anchor="ctr" anchorCtr="0">
           <a:noAutofit/>
         </a:bodyPr>
         <a:lstStyle/>
         <a:p>
-          <a:pPr lvl="0" algn="ctr" defTabSz="933450">
+          <a:pPr lvl="0" algn="ctr" defTabSz="844550">
             <a:lnSpc>
               <a:spcPct val="90000"/>
             </a:lnSpc>
@@ -5176,26 +5216,26 @@
             </a:spcAft>
           </a:pPr>
           <a:r>
-            <a:rPr lang="zh-CN" sz="2100" kern="1200" dirty="0" smtClean="0"/>
+            <a:rPr lang="zh-CN" sz="1900" kern="1200" dirty="0" smtClean="0"/>
             <a:t>了解</a:t>
           </a:r>
           <a:r>
-            <a:rPr lang="en-US" sz="2100" kern="1200" dirty="0" smtClean="0"/>
+            <a:rPr lang="en-US" sz="1900" kern="1200" dirty="0" smtClean="0"/>
             <a:t>Spark</a:t>
           </a:r>
           <a:r>
-            <a:rPr lang="zh-CN" sz="2100" kern="1200" dirty="0" smtClean="0"/>
+            <a:rPr lang="zh-CN" sz="1900" kern="1200" dirty="0" smtClean="0"/>
             <a:t>以及</a:t>
           </a:r>
           <a:r>
-            <a:rPr lang="en-US" sz="2100" kern="1200" dirty="0" smtClean="0"/>
+            <a:rPr lang="en-US" sz="1900" kern="1200" dirty="0" smtClean="0"/>
             <a:t>Spark Streaming</a:t>
           </a:r>
           <a:r>
-            <a:rPr lang="zh-CN" sz="2100" kern="1200" dirty="0" smtClean="0"/>
+            <a:rPr lang="zh-CN" sz="1900" kern="1200" dirty="0" smtClean="0"/>
             <a:t>的相关基础概念及其工作流程，并进行集群环境搭建</a:t>
           </a:r>
-          <a:endParaRPr lang="zh-CN" altLang="en-US" sz="2100" kern="1200" dirty="0"/>
+          <a:endParaRPr lang="zh-CN" altLang="en-US" sz="1900" kern="1200" dirty="0"/>
         </a:p>
       </dsp:txBody>
       <dsp:txXfrm rot="10800000">
@@ -11303,7 +11343,7 @@
           <a:p>
             <a:fld id="{890C70F1-D05F-482E-BE0B-AA0D5E503A86}" type="datetimeFigureOut">
               <a:rPr lang="zh-CN" altLang="en-US" smtClean="0"/>
-              <a:t>2017/3/16</a:t>
+              <a:t>2017/3/23</a:t>
             </a:fld>
             <a:endParaRPr lang="zh-CN" altLang="en-US"/>
           </a:p>
@@ -11554,7 +11594,7 @@
           <a:p>
             <a:fld id="{890C70F1-D05F-482E-BE0B-AA0D5E503A86}" type="datetimeFigureOut">
               <a:rPr lang="zh-CN" altLang="en-US" smtClean="0"/>
-              <a:t>2017/3/16</a:t>
+              <a:t>2017/3/23</a:t>
             </a:fld>
             <a:endParaRPr lang="zh-CN" altLang="en-US"/>
           </a:p>
@@ -11868,7 +11908,7 @@
           <a:p>
             <a:fld id="{890C70F1-D05F-482E-BE0B-AA0D5E503A86}" type="datetimeFigureOut">
               <a:rPr lang="zh-CN" altLang="en-US" smtClean="0"/>
-              <a:t>2017/3/16</a:t>
+              <a:t>2017/3/23</a:t>
             </a:fld>
             <a:endParaRPr lang="zh-CN" altLang="en-US"/>
           </a:p>
@@ -12201,7 +12241,7 @@
           <a:p>
             <a:fld id="{890C70F1-D05F-482E-BE0B-AA0D5E503A86}" type="datetimeFigureOut">
               <a:rPr lang="zh-CN" altLang="en-US" smtClean="0"/>
-              <a:t>2017/3/16</a:t>
+              <a:t>2017/3/23</a:t>
             </a:fld>
             <a:endParaRPr lang="zh-CN" altLang="en-US"/>
           </a:p>
@@ -12515,7 +12555,7 @@
           <a:p>
             <a:fld id="{890C70F1-D05F-482E-BE0B-AA0D5E503A86}" type="datetimeFigureOut">
               <a:rPr lang="zh-CN" altLang="en-US" smtClean="0"/>
-              <a:t>2017/3/16</a:t>
+              <a:t>2017/3/23</a:t>
             </a:fld>
             <a:endParaRPr lang="zh-CN" altLang="en-US"/>
           </a:p>
@@ -12908,7 +12948,7 @@
           <a:p>
             <a:fld id="{890C70F1-D05F-482E-BE0B-AA0D5E503A86}" type="datetimeFigureOut">
               <a:rPr lang="zh-CN" altLang="en-US" smtClean="0"/>
-              <a:t>2017/3/16</a:t>
+              <a:t>2017/3/23</a:t>
             </a:fld>
             <a:endParaRPr lang="zh-CN" altLang="en-US"/>
           </a:p>
@@ -13078,7 +13118,7 @@
           <a:p>
             <a:fld id="{890C70F1-D05F-482E-BE0B-AA0D5E503A86}" type="datetimeFigureOut">
               <a:rPr lang="zh-CN" altLang="en-US" smtClean="0"/>
-              <a:t>2017/3/16</a:t>
+              <a:t>2017/3/23</a:t>
             </a:fld>
             <a:endParaRPr lang="zh-CN" altLang="en-US"/>
           </a:p>
@@ -13258,7 +13298,7 @@
           <a:p>
             <a:fld id="{890C70F1-D05F-482E-BE0B-AA0D5E503A86}" type="datetimeFigureOut">
               <a:rPr lang="zh-CN" altLang="en-US" smtClean="0"/>
-              <a:t>2017/3/16</a:t>
+              <a:t>2017/3/23</a:t>
             </a:fld>
             <a:endParaRPr lang="zh-CN" altLang="en-US"/>
           </a:p>
@@ -13428,7 +13468,7 @@
           <a:p>
             <a:fld id="{890C70F1-D05F-482E-BE0B-AA0D5E503A86}" type="datetimeFigureOut">
               <a:rPr lang="zh-CN" altLang="en-US" smtClean="0"/>
-              <a:t>2017/3/16</a:t>
+              <a:t>2017/3/23</a:t>
             </a:fld>
             <a:endParaRPr lang="zh-CN" altLang="en-US"/>
           </a:p>
@@ -13675,7 +13715,7 @@
           <a:p>
             <a:fld id="{890C70F1-D05F-482E-BE0B-AA0D5E503A86}" type="datetimeFigureOut">
               <a:rPr lang="zh-CN" altLang="en-US" smtClean="0"/>
-              <a:t>2017/3/16</a:t>
+              <a:t>2017/3/23</a:t>
             </a:fld>
             <a:endParaRPr lang="zh-CN" altLang="en-US"/>
           </a:p>
@@ -13907,7 +13947,7 @@
           <a:p>
             <a:fld id="{890C70F1-D05F-482E-BE0B-AA0D5E503A86}" type="datetimeFigureOut">
               <a:rPr lang="zh-CN" altLang="en-US" smtClean="0"/>
-              <a:t>2017/3/16</a:t>
+              <a:t>2017/3/23</a:t>
             </a:fld>
             <a:endParaRPr lang="zh-CN" altLang="en-US"/>
           </a:p>
@@ -14281,7 +14321,7 @@
           <a:p>
             <a:fld id="{890C70F1-D05F-482E-BE0B-AA0D5E503A86}" type="datetimeFigureOut">
               <a:rPr lang="zh-CN" altLang="en-US" smtClean="0"/>
-              <a:t>2017/3/16</a:t>
+              <a:t>2017/3/23</a:t>
             </a:fld>
             <a:endParaRPr lang="zh-CN" altLang="en-US"/>
           </a:p>
@@ -14404,7 +14444,7 @@
           <a:p>
             <a:fld id="{890C70F1-D05F-482E-BE0B-AA0D5E503A86}" type="datetimeFigureOut">
               <a:rPr lang="zh-CN" altLang="en-US" smtClean="0"/>
-              <a:t>2017/3/16</a:t>
+              <a:t>2017/3/23</a:t>
             </a:fld>
             <a:endParaRPr lang="zh-CN" altLang="en-US"/>
           </a:p>
@@ -14499,7 +14539,7 @@
           <a:p>
             <a:fld id="{890C70F1-D05F-482E-BE0B-AA0D5E503A86}" type="datetimeFigureOut">
               <a:rPr lang="zh-CN" altLang="en-US" smtClean="0"/>
-              <a:t>2017/3/16</a:t>
+              <a:t>2017/3/23</a:t>
             </a:fld>
             <a:endParaRPr lang="zh-CN" altLang="en-US"/>
           </a:p>
@@ -14754,7 +14794,7 @@
           <a:p>
             <a:fld id="{890C70F1-D05F-482E-BE0B-AA0D5E503A86}" type="datetimeFigureOut">
               <a:rPr lang="zh-CN" altLang="en-US" smtClean="0"/>
-              <a:t>2017/3/16</a:t>
+              <a:t>2017/3/23</a:t>
             </a:fld>
             <a:endParaRPr lang="zh-CN" altLang="en-US"/>
           </a:p>
@@ -15059,7 +15099,7 @@
           <a:p>
             <a:fld id="{890C70F1-D05F-482E-BE0B-AA0D5E503A86}" type="datetimeFigureOut">
               <a:rPr lang="zh-CN" altLang="en-US" smtClean="0"/>
-              <a:t>2017/3/16</a:t>
+              <a:t>2017/3/23</a:t>
             </a:fld>
             <a:endParaRPr lang="zh-CN" altLang="en-US"/>
           </a:p>
@@ -15761,7 +15801,7 @@
           <a:p>
             <a:fld id="{890C70F1-D05F-482E-BE0B-AA0D5E503A86}" type="datetimeFigureOut">
               <a:rPr lang="zh-CN" altLang="en-US" smtClean="0"/>
-              <a:t>2017/3/16</a:t>
+              <a:t>2017/3/23</a:t>
             </a:fld>
             <a:endParaRPr lang="zh-CN" altLang="en-US"/>
           </a:p>
@@ -17701,7 +17741,7 @@
           <p:nvPr>
             <p:extLst>
               <p:ext uri="{D42A27DB-BD31-4B8C-83A1-F6EECF244321}">
-                <p14:modId xmlns:p14="http://schemas.microsoft.com/office/powerpoint/2010/main" val="2756789937"/>
+                <p14:modId xmlns:p14="http://schemas.microsoft.com/office/powerpoint/2010/main" val="2907433633"/>
               </p:ext>
             </p:extLst>
           </p:nvPr>
@@ -17878,7 +17918,11 @@
           <a:p>
             <a:r>
               <a:rPr lang="zh-CN" altLang="en-US" dirty="0" smtClean="0"/>
-              <a:t>参考文献</a:t>
+              <a:t>参考</a:t>
+            </a:r>
+            <a:r>
+              <a:rPr lang="zh-CN" altLang="en-US" dirty="0"/>
+              <a:t>资料</a:t>
             </a:r>
             <a:endParaRPr lang="zh-CN" altLang="en-US" dirty="0"/>
           </a:p>
